--- a/trunk/web/images/201403/SYS LIFESTYLE INCENTIVE (新加坡国际游艇展优惠计划) v3.0.pptx
+++ b/trunk/web/images/201403/SYS LIFESTYLE INCENTIVE (新加坡国际游艇展优惠计划) v3.0.pptx
@@ -107,6 +107,22 @@
       </a:defRPr>
     </a:lvl9pPr>
   </p:defaultTextStyle>
+  <p:extLst>
+    <p:ext uri="{EFAFB233-063F-42B5-8137-9DF3F51BA10A}">
+      <p15:sldGuideLst xmlns:p15="http://schemas.microsoft.com/office/powerpoint/2012/main">
+        <p15:guide id="1" orient="horz" pos="2880">
+          <p15:clr>
+            <a:srgbClr val="A4A3A4"/>
+          </p15:clr>
+        </p15:guide>
+        <p15:guide id="2" pos="2160">
+          <p15:clr>
+            <a:srgbClr val="A4A3A4"/>
+          </p15:clr>
+        </p15:guide>
+      </p15:sldGuideLst>
+    </p:ext>
+  </p:extLst>
 </p:presentation>
 </file>
 
@@ -291,7 +307,7 @@
           <a:p>
             <a:fld id="{E83E588B-2268-46DB-8EE0-36912467FAEB}" type="datetimeFigureOut">
               <a:rPr lang="en-US" smtClean="0"/>
-              <a:t>3/11/2014</a:t>
+              <a:t>3/26/2014</a:t>
             </a:fld>
             <a:endParaRPr lang="en-US"/>
           </a:p>
@@ -461,7 +477,7 @@
           <a:p>
             <a:fld id="{E83E588B-2268-46DB-8EE0-36912467FAEB}" type="datetimeFigureOut">
               <a:rPr lang="en-US" smtClean="0"/>
-              <a:t>3/11/2014</a:t>
+              <a:t>3/26/2014</a:t>
             </a:fld>
             <a:endParaRPr lang="en-US"/>
           </a:p>
@@ -641,7 +657,7 @@
           <a:p>
             <a:fld id="{E83E588B-2268-46DB-8EE0-36912467FAEB}" type="datetimeFigureOut">
               <a:rPr lang="en-US" smtClean="0"/>
-              <a:t>3/11/2014</a:t>
+              <a:t>3/26/2014</a:t>
             </a:fld>
             <a:endParaRPr lang="en-US"/>
           </a:p>
@@ -811,7 +827,7 @@
           <a:p>
             <a:fld id="{E83E588B-2268-46DB-8EE0-36912467FAEB}" type="datetimeFigureOut">
               <a:rPr lang="en-US" smtClean="0"/>
-              <a:t>3/11/2014</a:t>
+              <a:t>3/26/2014</a:t>
             </a:fld>
             <a:endParaRPr lang="en-US"/>
           </a:p>
@@ -1057,7 +1073,7 @@
           <a:p>
             <a:fld id="{E83E588B-2268-46DB-8EE0-36912467FAEB}" type="datetimeFigureOut">
               <a:rPr lang="en-US" smtClean="0"/>
-              <a:t>3/11/2014</a:t>
+              <a:t>3/26/2014</a:t>
             </a:fld>
             <a:endParaRPr lang="en-US"/>
           </a:p>
@@ -1345,7 +1361,7 @@
           <a:p>
             <a:fld id="{E83E588B-2268-46DB-8EE0-36912467FAEB}" type="datetimeFigureOut">
               <a:rPr lang="en-US" smtClean="0"/>
-              <a:t>3/11/2014</a:t>
+              <a:t>3/26/2014</a:t>
             </a:fld>
             <a:endParaRPr lang="en-US"/>
           </a:p>
@@ -1767,7 +1783,7 @@
           <a:p>
             <a:fld id="{E83E588B-2268-46DB-8EE0-36912467FAEB}" type="datetimeFigureOut">
               <a:rPr lang="en-US" smtClean="0"/>
-              <a:t>3/11/2014</a:t>
+              <a:t>3/26/2014</a:t>
             </a:fld>
             <a:endParaRPr lang="en-US"/>
           </a:p>
@@ -1885,7 +1901,7 @@
           <a:p>
             <a:fld id="{E83E588B-2268-46DB-8EE0-36912467FAEB}" type="datetimeFigureOut">
               <a:rPr lang="en-US" smtClean="0"/>
-              <a:t>3/11/2014</a:t>
+              <a:t>3/26/2014</a:t>
             </a:fld>
             <a:endParaRPr lang="en-US"/>
           </a:p>
@@ -1980,7 +1996,7 @@
           <a:p>
             <a:fld id="{E83E588B-2268-46DB-8EE0-36912467FAEB}" type="datetimeFigureOut">
               <a:rPr lang="en-US" smtClean="0"/>
-              <a:t>3/11/2014</a:t>
+              <a:t>3/26/2014</a:t>
             </a:fld>
             <a:endParaRPr lang="en-US"/>
           </a:p>
@@ -2257,7 +2273,7 @@
           <a:p>
             <a:fld id="{E83E588B-2268-46DB-8EE0-36912467FAEB}" type="datetimeFigureOut">
               <a:rPr lang="en-US" smtClean="0"/>
-              <a:t>3/11/2014</a:t>
+              <a:t>3/26/2014</a:t>
             </a:fld>
             <a:endParaRPr lang="en-US"/>
           </a:p>
@@ -2510,7 +2526,7 @@
           <a:p>
             <a:fld id="{E83E588B-2268-46DB-8EE0-36912467FAEB}" type="datetimeFigureOut">
               <a:rPr lang="en-US" smtClean="0"/>
-              <a:t>3/11/2014</a:t>
+              <a:t>3/26/2014</a:t>
             </a:fld>
             <a:endParaRPr lang="en-US"/>
           </a:p>
@@ -2723,7 +2739,7 @@
           <a:p>
             <a:fld id="{E83E588B-2268-46DB-8EE0-36912467FAEB}" type="datetimeFigureOut">
               <a:rPr lang="en-US" smtClean="0"/>
-              <a:t>3/11/2014</a:t>
+              <a:t>3/26/2014</a:t>
             </a:fld>
             <a:endParaRPr lang="en-US"/>
           </a:p>
@@ -5697,7 +5713,28 @@
                 <a:ea typeface="宋体"/>
                 <a:cs typeface="Times New Roman"/>
               </a:rPr>
-              <a:t> --- 2</a:t>
+              <a:t> --- </a:t>
+            </a:r>
+            <a:r>
+              <a:rPr lang="en-US" sz="1200" b="1" dirty="0" smtClean="0">
+                <a:solidFill>
+                  <a:srgbClr val="FF0000"/>
+                </a:solidFill>
+                <a:latin typeface="Cambria"/>
+                <a:ea typeface="宋体"/>
+                <a:cs typeface="Times New Roman"/>
+              </a:rPr>
+              <a:t>1</a:t>
+            </a:r>
+            <a:r>
+              <a:rPr lang="zh-CN" altLang="en-US" sz="1200" b="1" dirty="0" smtClean="0">
+                <a:solidFill>
+                  <a:srgbClr val="FF0000"/>
+                </a:solidFill>
+                <a:latin typeface="Cambria"/>
+                <a:cs typeface="Times New Roman"/>
+              </a:rPr>
+              <a:t>人</a:t>
             </a:r>
             <a:r>
               <a:rPr lang="zh-CN" altLang="en-US" sz="1200" b="1" dirty="0">
@@ -5707,7 +5744,7 @@
                 <a:latin typeface="Cambria"/>
                 <a:cs typeface="Times New Roman"/>
               </a:rPr>
-              <a:t>人次</a:t>
+              <a:t>次</a:t>
             </a:r>
             <a:r>
               <a:rPr lang="zh-CN" altLang="en-US" sz="1200" b="1" dirty="0" smtClean="0">
